--- a/Trunk/Getting Started Material/Using TBDF to expand a CVT Application.pptx
+++ b/Trunk/Getting Started Material/Using TBDF to expand a CVT Application.pptx
@@ -4751,7 +4751,19 @@
           <a:p>
             <a:r>
               <a:rPr lang="en-US" dirty="0" smtClean="0"/>
-              <a:t>Using TBDF to expand a CVT Application</a:t>
+              <a:t>Using </a:t>
+            </a:r>
+            <a:r>
+              <a:rPr lang="en-US" dirty="0" smtClean="0"/>
+              <a:t>DCAF</a:t>
+            </a:r>
+            <a:r>
+              <a:rPr lang="en-US" dirty="0" smtClean="0"/>
+              <a:t> </a:t>
+            </a:r>
+            <a:r>
+              <a:rPr lang="en-US" dirty="0" smtClean="0"/>
+              <a:t>to expand a CVT Application</a:t>
             </a:r>
             <a:endParaRPr lang="en-US" dirty="0"/>
           </a:p>
@@ -5850,11 +5862,7 @@
           <a:p>
             <a:r>
               <a:rPr lang="en-US" dirty="0" smtClean="0"/>
-              <a:t>Project&gt;&gt; Create Project </a:t>
-            </a:r>
-            <a:r>
-              <a:rPr lang="en-US" dirty="0" smtClean="0"/>
-              <a:t>…</a:t>
+              <a:t>Project&gt;&gt; Create Project …</a:t>
             </a:r>
           </a:p>
           <a:p>
@@ -5881,11 +5889,7 @@
           <a:p>
             <a:r>
               <a:rPr lang="en-US" dirty="0" smtClean="0"/>
-              <a:t>Select </a:t>
-            </a:r>
-            <a:r>
-              <a:rPr lang="en-US" dirty="0" smtClean="0"/>
-              <a:t>Simple Runtime engine</a:t>
+              <a:t>Select Simple Runtime engine</a:t>
             </a:r>
           </a:p>
           <a:p>
